--- a/nyhackr-doltr-2022-05-19.pptx
+++ b/nyhackr-doltr-2022-05-19.pptx
@@ -2126,7 +2126,7 @@
                 </a:solidFill>
               </a:rPr>
               <a:pPr/>
-              <a:t>5/16/22</a:t>
+              <a:t>5/20/22</a:t>
             </a:fld>
             <a:endParaRPr lang="en-US" dirty="0">
               <a:solidFill>
@@ -2339,7 +2339,7 @@
           </a:ln>
           <a:extLst>
             <a:ext uri="{C572A759-6A51-4108-AA02-DFA0A04FC94B}">
-              <ma14:wrappingTextBoxFlag xmlns:ma14="http://schemas.microsoft.com/office/mac/drawingml/2011/main" xmlns:a14="http://schemas.microsoft.com/office/drawing/2010/main" xmlns:m="http://schemas.openxmlformats.org/officeDocument/2006/math" xmlns="" val="1"/>
+              <ma14:wrappingTextBoxFlag xmlns="" xmlns:m="http://schemas.openxmlformats.org/officeDocument/2006/math" xmlns:a14="http://schemas.microsoft.com/office/drawing/2010/main" xmlns:ma14="http://schemas.microsoft.com/office/mac/drawingml/2011/main" val="1"/>
             </a:ext>
           </a:extLst>
         </p:spPr>
@@ -2379,7 +2379,7 @@
           </a:ln>
           <a:extLst>
             <a:ext uri="{C572A759-6A51-4108-AA02-DFA0A04FC94B}">
-              <ma14:wrappingTextBoxFlag xmlns:ma14="http://schemas.microsoft.com/office/mac/drawingml/2011/main" xmlns:a14="http://schemas.microsoft.com/office/drawing/2010/main" xmlns:m="http://schemas.openxmlformats.org/officeDocument/2006/math" xmlns="" val="1"/>
+              <ma14:wrappingTextBoxFlag xmlns="" xmlns:m="http://schemas.openxmlformats.org/officeDocument/2006/math" xmlns:a14="http://schemas.microsoft.com/office/drawing/2010/main" xmlns:ma14="http://schemas.microsoft.com/office/mac/drawingml/2011/main" val="1"/>
             </a:ext>
           </a:extLst>
         </p:spPr>
@@ -3257,7 +3257,7 @@
         </p:blipFill>
         <p:spPr>
           <a:xfrm>
-            <a:off x="-3171135" y="-3161535"/>
+            <a:off x="-3052015" y="-3161535"/>
             <a:ext cx="16967201" cy="17314436"/>
           </a:xfrm>
           <a:prstGeom prst="rect">
@@ -3325,7 +3325,7 @@
           </a:ln>
           <a:extLst>
             <a:ext uri="{C572A759-6A51-4108-AA02-DFA0A04FC94B}">
-              <ma14:wrappingTextBoxFlag xmlns:ma14="http://schemas.microsoft.com/office/mac/drawingml/2011/main" xmlns:a14="http://schemas.microsoft.com/office/drawing/2010/main" xmlns:m="http://schemas.openxmlformats.org/officeDocument/2006/math" xmlns="" val="1"/>
+              <ma14:wrappingTextBoxFlag xmlns="" xmlns:m="http://schemas.openxmlformats.org/officeDocument/2006/math" xmlns:a14="http://schemas.microsoft.com/office/drawing/2010/main" xmlns:ma14="http://schemas.microsoft.com/office/mac/drawingml/2011/main" val="1"/>
             </a:ext>
           </a:extLst>
         </p:spPr>
@@ -3374,7 +3374,7 @@
           </a:ln>
           <a:extLst>
             <a:ext uri="{C572A759-6A51-4108-AA02-DFA0A04FC94B}">
-              <ma14:wrappingTextBoxFlag xmlns:ma14="http://schemas.microsoft.com/office/mac/drawingml/2011/main" xmlns:a14="http://schemas.microsoft.com/office/drawing/2010/main" xmlns:m="http://schemas.openxmlformats.org/officeDocument/2006/math" xmlns="" val="1"/>
+              <ma14:wrappingTextBoxFlag xmlns="" xmlns:m="http://schemas.openxmlformats.org/officeDocument/2006/math" xmlns:a14="http://schemas.microsoft.com/office/drawing/2010/main" xmlns:ma14="http://schemas.microsoft.com/office/mac/drawingml/2011/main" val="1"/>
             </a:ext>
           </a:extLst>
         </p:spPr>
@@ -3542,6 +3542,86 @@
           </a:prstGeom>
         </p:spPr>
       </p:pic>
+      <p:pic>
+        <p:nvPicPr>
+          <p:cNvPr id="3" name="Picture 2">
+            <a:extLst>
+              <a:ext uri="{FF2B5EF4-FFF2-40B4-BE49-F238E27FC236}">
+                <a16:creationId xmlns:a16="http://schemas.microsoft.com/office/drawing/2014/main" id="{3E62F86A-4ED1-F889-3CC8-CCB0E5E94842}"/>
+              </a:ext>
+            </a:extLst>
+          </p:cNvPr>
+          <p:cNvPicPr>
+            <a:picLocks noChangeAspect="1"/>
+          </p:cNvPicPr>
+          <p:nvPr/>
+        </p:nvPicPr>
+        <p:blipFill>
+          <a:blip r:embed="rId5">
+            <a:extLst>
+              <a:ext uri="{28A0092B-C50C-407E-A947-70E740481C1C}">
+                <a14:useLocalDpi xmlns:a14="http://schemas.microsoft.com/office/drawing/2010/main" val="0"/>
+              </a:ext>
+            </a:extLst>
+          </a:blip>
+          <a:stretch>
+            <a:fillRect/>
+          </a:stretch>
+        </p:blipFill>
+        <p:spPr>
+          <a:xfrm>
+            <a:off x="19706196" y="12678672"/>
+            <a:ext cx="1737141" cy="592207"/>
+          </a:xfrm>
+          <a:prstGeom prst="rect">
+            <a:avLst/>
+          </a:prstGeom>
+        </p:spPr>
+      </p:pic>
+      <p:sp>
+        <p:nvSpPr>
+          <p:cNvPr id="5" name="Rectangle 4">
+            <a:extLst>
+              <a:ext uri="{FF2B5EF4-FFF2-40B4-BE49-F238E27FC236}">
+                <a16:creationId xmlns:a16="http://schemas.microsoft.com/office/drawing/2014/main" id="{E264BE32-E8B2-434B-806D-3777C36DA60D}"/>
+              </a:ext>
+            </a:extLst>
+          </p:cNvPr>
+          <p:cNvSpPr/>
+          <p:nvPr/>
+        </p:nvSpPr>
+        <p:spPr>
+          <a:xfrm>
+            <a:off x="5870533" y="12713165"/>
+            <a:ext cx="13835663" cy="523220"/>
+          </a:xfrm>
+          <a:prstGeom prst="rect">
+            <a:avLst/>
+          </a:prstGeom>
+        </p:spPr>
+        <p:txBody>
+          <a:bodyPr wrap="square">
+            <a:spAutoFit/>
+          </a:bodyPr>
+          <a:lstStyle/>
+          <a:p>
+            <a:r>
+              <a:rPr lang="en-US" sz="2800" i="1" dirty="0"/>
+              <a:t>This work is licensed under a </a:t>
+            </a:r>
+            <a:r>
+              <a:rPr lang="en-US" sz="2800" i="1" dirty="0">
+                <a:hlinkClick r:id="rId6"/>
+              </a:rPr>
+              <a:t>Creative Commons Attribution 4.0 International License</a:t>
+            </a:r>
+            <a:r>
+              <a:rPr lang="en-US" sz="2800" i="1" dirty="0"/>
+              <a:t>.</a:t>
+            </a:r>
+          </a:p>
+        </p:txBody>
+      </p:sp>
     </p:spTree>
     <p:extLst>
       <p:ext uri="{BB962C8B-B14F-4D97-AF65-F5344CB8AC3E}">
@@ -5972,7 +6052,7 @@
             </a:ln>
             <a:extLst>
               <a:ext uri="{C572A759-6A51-4108-AA02-DFA0A04FC94B}">
-                <ma14:wrappingTextBoxFlag xmlns:ma14="http://schemas.microsoft.com/office/mac/drawingml/2011/main" xmlns:a14="http://schemas.microsoft.com/office/drawing/2010/main" xmlns:m="http://schemas.openxmlformats.org/officeDocument/2006/math" xmlns="" val="1"/>
+                <ma14:wrappingTextBoxFlag xmlns="" xmlns:m="http://schemas.openxmlformats.org/officeDocument/2006/math" xmlns:a14="http://schemas.microsoft.com/office/drawing/2010/main" xmlns:ma14="http://schemas.microsoft.com/office/mac/drawingml/2011/main" val="1"/>
               </a:ext>
             </a:extLst>
           </p:spPr>
@@ -6027,7 +6107,7 @@
             </a:ln>
             <a:extLst>
               <a:ext uri="{C572A759-6A51-4108-AA02-DFA0A04FC94B}">
-                <ma14:wrappingTextBoxFlag xmlns:ma14="http://schemas.microsoft.com/office/mac/drawingml/2011/main" xmlns:a14="http://schemas.microsoft.com/office/drawing/2010/main" xmlns:m="http://schemas.openxmlformats.org/officeDocument/2006/math" xmlns="" val="1"/>
+                <ma14:wrappingTextBoxFlag xmlns="" xmlns:m="http://schemas.openxmlformats.org/officeDocument/2006/math" xmlns:a14="http://schemas.microsoft.com/office/drawing/2010/main" xmlns:ma14="http://schemas.microsoft.com/office/mac/drawingml/2011/main" val="1"/>
               </a:ext>
             </a:extLst>
           </p:spPr>
@@ -6082,7 +6162,7 @@
             </a:ln>
             <a:extLst>
               <a:ext uri="{C572A759-6A51-4108-AA02-DFA0A04FC94B}">
-                <ma14:wrappingTextBoxFlag xmlns:ma14="http://schemas.microsoft.com/office/mac/drawingml/2011/main" xmlns:a14="http://schemas.microsoft.com/office/drawing/2010/main" xmlns:m="http://schemas.openxmlformats.org/officeDocument/2006/math" xmlns="" val="1"/>
+                <ma14:wrappingTextBoxFlag xmlns="" xmlns:m="http://schemas.openxmlformats.org/officeDocument/2006/math" xmlns:a14="http://schemas.microsoft.com/office/drawing/2010/main" xmlns:ma14="http://schemas.microsoft.com/office/mac/drawingml/2011/main" val="1"/>
               </a:ext>
             </a:extLst>
           </p:spPr>
@@ -6326,7 +6406,7 @@
             </a:ln>
             <a:extLst>
               <a:ext uri="{C572A759-6A51-4108-AA02-DFA0A04FC94B}">
-                <ma14:wrappingTextBoxFlag xmlns:ma14="http://schemas.microsoft.com/office/mac/drawingml/2011/main" xmlns:a14="http://schemas.microsoft.com/office/drawing/2010/main" xmlns:m="http://schemas.openxmlformats.org/officeDocument/2006/math" xmlns="" val="1"/>
+                <ma14:wrappingTextBoxFlag xmlns="" xmlns:m="http://schemas.openxmlformats.org/officeDocument/2006/math" xmlns:a14="http://schemas.microsoft.com/office/drawing/2010/main" xmlns:ma14="http://schemas.microsoft.com/office/mac/drawingml/2011/main" val="1"/>
               </a:ext>
             </a:extLst>
           </p:spPr>
@@ -6914,7 +6994,7 @@
             </a:ln>
             <a:extLst>
               <a:ext uri="{C572A759-6A51-4108-AA02-DFA0A04FC94B}">
-                <ma14:wrappingTextBoxFlag xmlns:ma14="http://schemas.microsoft.com/office/mac/drawingml/2011/main" xmlns:a14="http://schemas.microsoft.com/office/drawing/2010/main" xmlns:m="http://schemas.openxmlformats.org/officeDocument/2006/math" xmlns="" val="1"/>
+                <ma14:wrappingTextBoxFlag xmlns="" xmlns:m="http://schemas.openxmlformats.org/officeDocument/2006/math" xmlns:a14="http://schemas.microsoft.com/office/drawing/2010/main" xmlns:ma14="http://schemas.microsoft.com/office/mac/drawingml/2011/main" val="1"/>
               </a:ext>
             </a:extLst>
           </p:spPr>
@@ -7069,7 +7149,7 @@
             </a:ln>
             <a:extLst>
               <a:ext uri="{C572A759-6A51-4108-AA02-DFA0A04FC94B}">
-                <ma14:wrappingTextBoxFlag xmlns:ma14="http://schemas.microsoft.com/office/mac/drawingml/2011/main" xmlns:a14="http://schemas.microsoft.com/office/drawing/2010/main" xmlns:m="http://schemas.openxmlformats.org/officeDocument/2006/math" xmlns="" val="1"/>
+                <ma14:wrappingTextBoxFlag xmlns="" xmlns:m="http://schemas.openxmlformats.org/officeDocument/2006/math" xmlns:a14="http://schemas.microsoft.com/office/drawing/2010/main" xmlns:ma14="http://schemas.microsoft.com/office/mac/drawingml/2011/main" val="1"/>
               </a:ext>
             </a:extLst>
           </p:spPr>
@@ -8429,7 +8509,7 @@
           </a:ln>
           <a:extLst>
             <a:ext uri="{C572A759-6A51-4108-AA02-DFA0A04FC94B}">
-              <ma14:wrappingTextBoxFlag xmlns:ma14="http://schemas.microsoft.com/office/mac/drawingml/2011/main" xmlns:a14="http://schemas.microsoft.com/office/drawing/2010/main" xmlns:m="http://schemas.openxmlformats.org/officeDocument/2006/math" xmlns="" val="1"/>
+              <ma14:wrappingTextBoxFlag xmlns="" xmlns:m="http://schemas.openxmlformats.org/officeDocument/2006/math" xmlns:a14="http://schemas.microsoft.com/office/drawing/2010/main" xmlns:ma14="http://schemas.microsoft.com/office/mac/drawingml/2011/main" val="1"/>
             </a:ext>
           </a:extLst>
         </p:spPr>
@@ -8484,7 +8564,7 @@
           </a:ln>
           <a:extLst>
             <a:ext uri="{C572A759-6A51-4108-AA02-DFA0A04FC94B}">
-              <ma14:wrappingTextBoxFlag xmlns:ma14="http://schemas.microsoft.com/office/mac/drawingml/2011/main" xmlns:a14="http://schemas.microsoft.com/office/drawing/2010/main" xmlns:m="http://schemas.openxmlformats.org/officeDocument/2006/math" xmlns="" val="1"/>
+              <ma14:wrappingTextBoxFlag xmlns="" xmlns:m="http://schemas.openxmlformats.org/officeDocument/2006/math" xmlns:a14="http://schemas.microsoft.com/office/drawing/2010/main" xmlns:ma14="http://schemas.microsoft.com/office/mac/drawingml/2011/main" val="1"/>
             </a:ext>
           </a:extLst>
         </p:spPr>
@@ -8728,7 +8808,7 @@
           </a:ln>
           <a:extLst>
             <a:ext uri="{C572A759-6A51-4108-AA02-DFA0A04FC94B}">
-              <ma14:wrappingTextBoxFlag xmlns:ma14="http://schemas.microsoft.com/office/mac/drawingml/2011/main" xmlns:a14="http://schemas.microsoft.com/office/drawing/2010/main" xmlns:m="http://schemas.openxmlformats.org/officeDocument/2006/math" xmlns="" val="1"/>
+              <ma14:wrappingTextBoxFlag xmlns="" xmlns:m="http://schemas.openxmlformats.org/officeDocument/2006/math" xmlns:a14="http://schemas.microsoft.com/office/drawing/2010/main" xmlns:ma14="http://schemas.microsoft.com/office/mac/drawingml/2011/main" val="1"/>
             </a:ext>
           </a:extLst>
         </p:spPr>
@@ -9269,7 +9349,7 @@
           </a:ln>
           <a:extLst>
             <a:ext uri="{C572A759-6A51-4108-AA02-DFA0A04FC94B}">
-              <ma14:wrappingTextBoxFlag xmlns:ma14="http://schemas.microsoft.com/office/mac/drawingml/2011/main" xmlns:a14="http://schemas.microsoft.com/office/drawing/2010/main" xmlns:m="http://schemas.openxmlformats.org/officeDocument/2006/math" xmlns="" val="1"/>
+              <ma14:wrappingTextBoxFlag xmlns="" xmlns:m="http://schemas.openxmlformats.org/officeDocument/2006/math" xmlns:a14="http://schemas.microsoft.com/office/drawing/2010/main" xmlns:ma14="http://schemas.microsoft.com/office/mac/drawingml/2011/main" val="1"/>
             </a:ext>
           </a:extLst>
         </p:spPr>
@@ -9619,7 +9699,7 @@
           </a:ln>
           <a:extLst>
             <a:ext uri="{C572A759-6A51-4108-AA02-DFA0A04FC94B}">
-              <ma14:wrappingTextBoxFlag xmlns:ma14="http://schemas.microsoft.com/office/mac/drawingml/2011/main" xmlns:a14="http://schemas.microsoft.com/office/drawing/2010/main" xmlns:m="http://schemas.openxmlformats.org/officeDocument/2006/math" xmlns="" val="1"/>
+              <ma14:wrappingTextBoxFlag xmlns="" xmlns:m="http://schemas.openxmlformats.org/officeDocument/2006/math" xmlns:a14="http://schemas.microsoft.com/office/drawing/2010/main" xmlns:ma14="http://schemas.microsoft.com/office/mac/drawingml/2011/main" val="1"/>
             </a:ext>
           </a:extLst>
         </p:spPr>
@@ -9769,7 +9849,7 @@
           </a:ln>
           <a:extLst>
             <a:ext uri="{C572A759-6A51-4108-AA02-DFA0A04FC94B}">
-              <ma14:wrappingTextBoxFlag xmlns:ma14="http://schemas.microsoft.com/office/mac/drawingml/2011/main" xmlns:a14="http://schemas.microsoft.com/office/drawing/2010/main" xmlns:m="http://schemas.openxmlformats.org/officeDocument/2006/math" xmlns="" val="1"/>
+              <ma14:wrappingTextBoxFlag xmlns="" xmlns:m="http://schemas.openxmlformats.org/officeDocument/2006/math" xmlns:a14="http://schemas.microsoft.com/office/drawing/2010/main" xmlns:ma14="http://schemas.microsoft.com/office/mac/drawingml/2011/main" val="1"/>
             </a:ext>
           </a:extLst>
         </p:spPr>
@@ -9824,7 +9904,7 @@
           </a:ln>
           <a:extLst>
             <a:ext uri="{C572A759-6A51-4108-AA02-DFA0A04FC94B}">
-              <ma14:wrappingTextBoxFlag xmlns:ma14="http://schemas.microsoft.com/office/mac/drawingml/2011/main" xmlns:a14="http://schemas.microsoft.com/office/drawing/2010/main" xmlns:m="http://schemas.openxmlformats.org/officeDocument/2006/math" xmlns="" val="1"/>
+              <ma14:wrappingTextBoxFlag xmlns="" xmlns:m="http://schemas.openxmlformats.org/officeDocument/2006/math" xmlns:a14="http://schemas.microsoft.com/office/drawing/2010/main" xmlns:ma14="http://schemas.microsoft.com/office/mac/drawingml/2011/main" val="1"/>
             </a:ext>
           </a:extLst>
         </p:spPr>
@@ -9926,7 +10006,7 @@
           </a:ln>
           <a:extLst>
             <a:ext uri="{C572A759-6A51-4108-AA02-DFA0A04FC94B}">
-              <ma14:wrappingTextBoxFlag xmlns:ma14="http://schemas.microsoft.com/office/mac/drawingml/2011/main" xmlns:a14="http://schemas.microsoft.com/office/drawing/2010/main" xmlns:m="http://schemas.openxmlformats.org/officeDocument/2006/math" xmlns="" val="1"/>
+              <ma14:wrappingTextBoxFlag xmlns="" xmlns:m="http://schemas.openxmlformats.org/officeDocument/2006/math" xmlns:a14="http://schemas.microsoft.com/office/drawing/2010/main" xmlns:ma14="http://schemas.microsoft.com/office/mac/drawingml/2011/main" val="1"/>
             </a:ext>
           </a:extLst>
         </p:spPr>
@@ -10123,7 +10203,7 @@
           </a:ln>
           <a:extLst>
             <a:ext uri="{C572A759-6A51-4108-AA02-DFA0A04FC94B}">
-              <ma14:wrappingTextBoxFlag xmlns:ma14="http://schemas.microsoft.com/office/mac/drawingml/2011/main" xmlns:a14="http://schemas.microsoft.com/office/drawing/2010/main" xmlns:m="http://schemas.openxmlformats.org/officeDocument/2006/math" xmlns="" val="1"/>
+              <ma14:wrappingTextBoxFlag xmlns="" xmlns:m="http://schemas.openxmlformats.org/officeDocument/2006/math" xmlns:a14="http://schemas.microsoft.com/office/drawing/2010/main" xmlns:ma14="http://schemas.microsoft.com/office/mac/drawingml/2011/main" val="1"/>
             </a:ext>
           </a:extLst>
         </p:spPr>
@@ -10272,7 +10352,7 @@
           </a:ln>
           <a:extLst>
             <a:ext uri="{C572A759-6A51-4108-AA02-DFA0A04FC94B}">
-              <ma14:wrappingTextBoxFlag xmlns:ma14="http://schemas.microsoft.com/office/mac/drawingml/2011/main" xmlns:a14="http://schemas.microsoft.com/office/drawing/2010/main" xmlns:m="http://schemas.openxmlformats.org/officeDocument/2006/math" xmlns="" val="1"/>
+              <ma14:wrappingTextBoxFlag xmlns="" xmlns:m="http://schemas.openxmlformats.org/officeDocument/2006/math" xmlns:a14="http://schemas.microsoft.com/office/drawing/2010/main" xmlns:ma14="http://schemas.microsoft.com/office/mac/drawingml/2011/main" val="1"/>
             </a:ext>
           </a:extLst>
         </p:spPr>
@@ -11154,7 +11234,7 @@
           </a:ln>
           <a:extLst>
             <a:ext uri="{C572A759-6A51-4108-AA02-DFA0A04FC94B}">
-              <ma14:wrappingTextBoxFlag xmlns:ma14="http://schemas.microsoft.com/office/mac/drawingml/2011/main" xmlns:a14="http://schemas.microsoft.com/office/drawing/2010/main" xmlns:m="http://schemas.openxmlformats.org/officeDocument/2006/math" xmlns="" val="1"/>
+              <ma14:wrappingTextBoxFlag xmlns="" xmlns:m="http://schemas.openxmlformats.org/officeDocument/2006/math" xmlns:a14="http://schemas.microsoft.com/office/drawing/2010/main" xmlns:ma14="http://schemas.microsoft.com/office/mac/drawingml/2011/main" val="1"/>
             </a:ext>
           </a:extLst>
         </p:spPr>
@@ -11227,7 +11307,7 @@
           </a:ln>
           <a:extLst>
             <a:ext uri="{C572A759-6A51-4108-AA02-DFA0A04FC94B}">
-              <ma14:wrappingTextBoxFlag xmlns="" xmlns:m="http://schemas.openxmlformats.org/officeDocument/2006/math" xmlns:a14="http://schemas.microsoft.com/office/drawing/2010/main" xmlns:ma14="http://schemas.microsoft.com/office/mac/drawingml/2011/main" val="1"/>
+              <ma14:wrappingTextBoxFlag xmlns:ma14="http://schemas.microsoft.com/office/mac/drawingml/2011/main" xmlns:a14="http://schemas.microsoft.com/office/drawing/2010/main" xmlns:m="http://schemas.openxmlformats.org/officeDocument/2006/math" xmlns="" val="1"/>
             </a:ext>
           </a:extLst>
         </p:spPr>
@@ -11510,7 +11590,7 @@
           </a:ln>
           <a:extLst>
             <a:ext uri="{C572A759-6A51-4108-AA02-DFA0A04FC94B}">
-              <ma14:wrappingTextBoxFlag xmlns:ma14="http://schemas.microsoft.com/office/mac/drawingml/2011/main" xmlns:a14="http://schemas.microsoft.com/office/drawing/2010/main" xmlns:m="http://schemas.openxmlformats.org/officeDocument/2006/math" xmlns="" val="1"/>
+              <ma14:wrappingTextBoxFlag xmlns="" xmlns:m="http://schemas.openxmlformats.org/officeDocument/2006/math" xmlns:a14="http://schemas.microsoft.com/office/drawing/2010/main" xmlns:ma14="http://schemas.microsoft.com/office/mac/drawingml/2011/main" val="1"/>
             </a:ext>
           </a:extLst>
         </p:spPr>
@@ -13701,7 +13781,7 @@
           </a:ln>
           <a:extLst>
             <a:ext uri="{C572A759-6A51-4108-AA02-DFA0A04FC94B}">
-              <ma14:wrappingTextBoxFlag xmlns:ma14="http://schemas.microsoft.com/office/mac/drawingml/2011/main" xmlns:a14="http://schemas.microsoft.com/office/drawing/2010/main" xmlns:m="http://schemas.openxmlformats.org/officeDocument/2006/math" xmlns="" val="1"/>
+              <ma14:wrappingTextBoxFlag xmlns="" xmlns:m="http://schemas.openxmlformats.org/officeDocument/2006/math" xmlns:a14="http://schemas.microsoft.com/office/drawing/2010/main" xmlns:ma14="http://schemas.microsoft.com/office/mac/drawingml/2011/main" val="1"/>
             </a:ext>
           </a:extLst>
         </p:spPr>
@@ -14611,7 +14691,7 @@
         </a:ln>
         <a:extLst>
           <a:ext uri="{C572A759-6A51-4108-AA02-DFA0A04FC94B}">
-            <ma14:wrappingTextBoxFlag xmlns:r="http://schemas.openxmlformats.org/officeDocument/2006/relationships" xmlns:p="http://schemas.openxmlformats.org/presentationml/2006/main" xmlns:ma14="http://schemas.microsoft.com/office/mac/drawingml/2011/main" xmlns:a14="http://schemas.microsoft.com/office/drawing/2010/main" xmlns:m="http://schemas.openxmlformats.org/officeDocument/2006/math" xmlns="" val="1"/>
+            <ma14:wrappingTextBoxFlag xmlns="" xmlns:m="http://schemas.openxmlformats.org/officeDocument/2006/math" xmlns:a14="http://schemas.microsoft.com/office/drawing/2010/main" xmlns:ma14="http://schemas.microsoft.com/office/mac/drawingml/2011/main" xmlns:p="http://schemas.openxmlformats.org/presentationml/2006/main" xmlns:r="http://schemas.openxmlformats.org/officeDocument/2006/relationships" val="1"/>
           </a:ext>
         </a:extLst>
       </a:spPr>
